--- a/What_Makes_A_National_Park_Popular.pptx
+++ b/What_Makes_A_National_Park_Popular.pptx
@@ -5,19 +5,20 @@
     <p:sldMasterId id="2147483648" r:id="rId1"/>
   </p:sldMasterIdLst>
   <p:notesMasterIdLst>
-    <p:notesMasterId r:id="rId12"/>
+    <p:notesMasterId r:id="rId13"/>
   </p:notesMasterIdLst>
   <p:sldIdLst>
     <p:sldId id="256" r:id="rId2"/>
     <p:sldId id="259" r:id="rId3"/>
     <p:sldId id="263" r:id="rId4"/>
     <p:sldId id="265" r:id="rId5"/>
-    <p:sldId id="258" r:id="rId6"/>
-    <p:sldId id="262" r:id="rId7"/>
-    <p:sldId id="261" r:id="rId8"/>
-    <p:sldId id="260" r:id="rId9"/>
-    <p:sldId id="257" r:id="rId10"/>
-    <p:sldId id="264" r:id="rId11"/>
+    <p:sldId id="266" r:id="rId6"/>
+    <p:sldId id="258" r:id="rId7"/>
+    <p:sldId id="262" r:id="rId8"/>
+    <p:sldId id="261" r:id="rId9"/>
+    <p:sldId id="260" r:id="rId10"/>
+    <p:sldId id="257" r:id="rId11"/>
+    <p:sldId id="264" r:id="rId12"/>
   </p:sldIdLst>
   <p:sldSz cx="12192000" cy="6858000"/>
   <p:notesSz cx="6858000" cy="9144000"/>
@@ -116,6 +117,14 @@
       </a:defRPr>
     </a:lvl9pPr>
   </p:defaultTextStyle>
+  <p:extLst>
+    <p:ext uri="{EFAFB233-063F-42B5-8137-9DF3F51BA10A}">
+      <p15:sldGuideLst xmlns:p15="http://schemas.microsoft.com/office/powerpoint/2012/main"/>
+    </p:ext>
+    <p:ext uri="{2D200454-40CA-4A62-9FC3-DE9A4176ACB9}">
+      <p15:notesGuideLst xmlns:p15="http://schemas.microsoft.com/office/powerpoint/2012/main"/>
+    </p:ext>
+  </p:extLst>
 </p:presentation>
 </file>
 
@@ -201,7 +210,7 @@
           <a:p>
             <a:fld id="{2778A723-CAF5-433D-A93D-FF0814F5CE60}" type="datetimeFigureOut">
               <a:rPr lang="en-US" smtClean="0"/>
-              <a:t>5/31/2023</a:t>
+              <a:t>6/1/2023</a:t>
             </a:fld>
             <a:endParaRPr lang="en-US"/>
           </a:p>
@@ -620,7 +629,7 @@
           <a:p>
             <a:fld id="{1B2D6C63-6B0D-41C5-8B11-2E7F62C473F0}" type="slidenum">
               <a:rPr lang="en-US" smtClean="0"/>
-              <a:t>5</a:t>
+              <a:t>6</a:t>
             </a:fld>
             <a:endParaRPr lang="en-US"/>
           </a:p>
@@ -685,7 +694,7 @@
           <a:p>
             <a:r>
               <a:rPr lang="en-US" dirty="0"/>
-              <a:t>We had the same questions!  Here’s what we found.</a:t>
+              <a:t>P = 0.386</a:t>
             </a:r>
           </a:p>
         </p:txBody>
@@ -707,7 +716,94 @@
           <a:p>
             <a:fld id="{1B2D6C63-6B0D-41C5-8B11-2E7F62C473F0}" type="slidenum">
               <a:rPr lang="en-US" smtClean="0"/>
-              <a:t>9</a:t>
+              <a:t>8</a:t>
+            </a:fld>
+            <a:endParaRPr lang="en-US"/>
+          </a:p>
+        </p:txBody>
+      </p:sp>
+    </p:spTree>
+    <p:extLst>
+      <p:ext uri="{BB962C8B-B14F-4D97-AF65-F5344CB8AC3E}">
+        <p14:creationId xmlns:p14="http://schemas.microsoft.com/office/powerpoint/2010/main" val="1709407743"/>
+      </p:ext>
+    </p:extLst>
+  </p:cSld>
+  <p:clrMapOvr>
+    <a:masterClrMapping/>
+  </p:clrMapOvr>
+</p:notes>
+</file>
+
+<file path=ppt/notesSlides/notesSlide4.xml><?xml version="1.0" encoding="utf-8"?>
+<p:notes xmlns:a="http://schemas.openxmlformats.org/drawingml/2006/main" xmlns:r="http://schemas.openxmlformats.org/officeDocument/2006/relationships" xmlns:p="http://schemas.openxmlformats.org/presentationml/2006/main">
+  <p:cSld>
+    <p:spTree>
+      <p:nvGrpSpPr>
+        <p:cNvPr id="1" name=""/>
+        <p:cNvGrpSpPr/>
+        <p:nvPr/>
+      </p:nvGrpSpPr>
+      <p:grpSpPr>
+        <a:xfrm>
+          <a:off x="0" y="0"/>
+          <a:ext cx="0" cy="0"/>
+          <a:chOff x="0" y="0"/>
+          <a:chExt cx="0" cy="0"/>
+        </a:xfrm>
+      </p:grpSpPr>
+      <p:sp>
+        <p:nvSpPr>
+          <p:cNvPr id="2" name="Slide Image Placeholder 1"/>
+          <p:cNvSpPr>
+            <a:spLocks noGrp="1" noRot="1" noChangeAspect="1"/>
+          </p:cNvSpPr>
+          <p:nvPr>
+            <p:ph type="sldImg"/>
+          </p:nvPr>
+        </p:nvSpPr>
+        <p:spPr/>
+      </p:sp>
+      <p:sp>
+        <p:nvSpPr>
+          <p:cNvPr id="3" name="Notes Placeholder 2"/>
+          <p:cNvSpPr>
+            <a:spLocks noGrp="1"/>
+          </p:cNvSpPr>
+          <p:nvPr>
+            <p:ph type="body" idx="1"/>
+          </p:nvPr>
+        </p:nvSpPr>
+        <p:spPr/>
+        <p:txBody>
+          <a:bodyPr/>
+          <a:lstStyle/>
+          <a:p>
+            <a:r>
+              <a:rPr lang="en-US" dirty="0"/>
+              <a:t>We had the same questions!  Here’s what we found.</a:t>
+            </a:r>
+          </a:p>
+        </p:txBody>
+      </p:sp>
+      <p:sp>
+        <p:nvSpPr>
+          <p:cNvPr id="4" name="Slide Number Placeholder 3"/>
+          <p:cNvSpPr>
+            <a:spLocks noGrp="1"/>
+          </p:cNvSpPr>
+          <p:nvPr>
+            <p:ph type="sldNum" sz="quarter" idx="5"/>
+          </p:nvPr>
+        </p:nvSpPr>
+        <p:spPr/>
+        <p:txBody>
+          <a:bodyPr/>
+          <a:lstStyle/>
+          <a:p>
+            <a:fld id="{1B2D6C63-6B0D-41C5-8B11-2E7F62C473F0}" type="slidenum">
+              <a:rPr lang="en-US" smtClean="0"/>
+              <a:t>10</a:t>
             </a:fld>
             <a:endParaRPr lang="en-US"/>
           </a:p>
@@ -873,7 +969,7 @@
           <a:p>
             <a:fld id="{7A4D5225-F0B9-4666-999F-1FEC5BAE2DF5}" type="datetimeFigureOut">
               <a:rPr lang="en-US" smtClean="0"/>
-              <a:t>5/31/2023</a:t>
+              <a:t>6/1/2023</a:t>
             </a:fld>
             <a:endParaRPr lang="en-US"/>
           </a:p>
@@ -1071,7 +1167,7 @@
           <a:p>
             <a:fld id="{7A4D5225-F0B9-4666-999F-1FEC5BAE2DF5}" type="datetimeFigureOut">
               <a:rPr lang="en-US" smtClean="0"/>
-              <a:t>5/31/2023</a:t>
+              <a:t>6/1/2023</a:t>
             </a:fld>
             <a:endParaRPr lang="en-US"/>
           </a:p>
@@ -1279,7 +1375,7 @@
           <a:p>
             <a:fld id="{7A4D5225-F0B9-4666-999F-1FEC5BAE2DF5}" type="datetimeFigureOut">
               <a:rPr lang="en-US" smtClean="0"/>
-              <a:t>5/31/2023</a:t>
+              <a:t>6/1/2023</a:t>
             </a:fld>
             <a:endParaRPr lang="en-US"/>
           </a:p>
@@ -1477,7 +1573,7 @@
           <a:p>
             <a:fld id="{7A4D5225-F0B9-4666-999F-1FEC5BAE2DF5}" type="datetimeFigureOut">
               <a:rPr lang="en-US" smtClean="0"/>
-              <a:t>5/31/2023</a:t>
+              <a:t>6/1/2023</a:t>
             </a:fld>
             <a:endParaRPr lang="en-US"/>
           </a:p>
@@ -1752,7 +1848,7 @@
           <a:p>
             <a:fld id="{7A4D5225-F0B9-4666-999F-1FEC5BAE2DF5}" type="datetimeFigureOut">
               <a:rPr lang="en-US" smtClean="0"/>
-              <a:t>5/31/2023</a:t>
+              <a:t>6/1/2023</a:t>
             </a:fld>
             <a:endParaRPr lang="en-US"/>
           </a:p>
@@ -2017,7 +2113,7 @@
           <a:p>
             <a:fld id="{7A4D5225-F0B9-4666-999F-1FEC5BAE2DF5}" type="datetimeFigureOut">
               <a:rPr lang="en-US" smtClean="0"/>
-              <a:t>5/31/2023</a:t>
+              <a:t>6/1/2023</a:t>
             </a:fld>
             <a:endParaRPr lang="en-US"/>
           </a:p>
@@ -2429,7 +2525,7 @@
           <a:p>
             <a:fld id="{7A4D5225-F0B9-4666-999F-1FEC5BAE2DF5}" type="datetimeFigureOut">
               <a:rPr lang="en-US" smtClean="0"/>
-              <a:t>5/31/2023</a:t>
+              <a:t>6/1/2023</a:t>
             </a:fld>
             <a:endParaRPr lang="en-US"/>
           </a:p>
@@ -2570,7 +2666,7 @@
           <a:p>
             <a:fld id="{7A4D5225-F0B9-4666-999F-1FEC5BAE2DF5}" type="datetimeFigureOut">
               <a:rPr lang="en-US" smtClean="0"/>
-              <a:t>5/31/2023</a:t>
+              <a:t>6/1/2023</a:t>
             </a:fld>
             <a:endParaRPr lang="en-US"/>
           </a:p>
@@ -2683,7 +2779,7 @@
           <a:p>
             <a:fld id="{7A4D5225-F0B9-4666-999F-1FEC5BAE2DF5}" type="datetimeFigureOut">
               <a:rPr lang="en-US" smtClean="0"/>
-              <a:t>5/31/2023</a:t>
+              <a:t>6/1/2023</a:t>
             </a:fld>
             <a:endParaRPr lang="en-US"/>
           </a:p>
@@ -2994,7 +3090,7 @@
           <a:p>
             <a:fld id="{7A4D5225-F0B9-4666-999F-1FEC5BAE2DF5}" type="datetimeFigureOut">
               <a:rPr lang="en-US" smtClean="0"/>
-              <a:t>5/31/2023</a:t>
+              <a:t>6/1/2023</a:t>
             </a:fld>
             <a:endParaRPr lang="en-US"/>
           </a:p>
@@ -3282,7 +3378,7 @@
           <a:p>
             <a:fld id="{7A4D5225-F0B9-4666-999F-1FEC5BAE2DF5}" type="datetimeFigureOut">
               <a:rPr lang="en-US" smtClean="0"/>
-              <a:t>5/31/2023</a:t>
+              <a:t>6/1/2023</a:t>
             </a:fld>
             <a:endParaRPr lang="en-US"/>
           </a:p>
@@ -3523,7 +3619,7 @@
           <a:p>
             <a:fld id="{7A4D5225-F0B9-4666-999F-1FEC5BAE2DF5}" type="datetimeFigureOut">
               <a:rPr lang="en-US" smtClean="0"/>
-              <a:t>5/31/2023</a:t>
+              <a:t>6/1/2023</a:t>
             </a:fld>
             <a:endParaRPr lang="en-US"/>
           </a:p>
@@ -4481,6 +4577,166 @@
         </p:spPr>
         <p:txBody>
           <a:bodyPr>
+            <a:normAutofit fontScale="90000"/>
+          </a:bodyPr>
+          <a:lstStyle/>
+          <a:p>
+            <a:pPr algn="l"/>
+            <a:r>
+              <a:rPr lang="en-US" b="0" i="0" dirty="0">
+                <a:solidFill>
+                  <a:schemeClr val="accent2">
+                    <a:lumMod val="50000"/>
+                  </a:schemeClr>
+                </a:solidFill>
+                <a:effectLst/>
+                <a:latin typeface="Slack-Lato"/>
+              </a:rPr>
+              <a:t>Does the total number of acres in a national park affect the number of overnight stays?</a:t>
+            </a:r>
+          </a:p>
+        </p:txBody>
+      </p:sp>
+      <p:sp>
+        <p:nvSpPr>
+          <p:cNvPr id="3" name="Content Placeholder 2">
+            <a:extLst>
+              <a:ext uri="{FF2B5EF4-FFF2-40B4-BE49-F238E27FC236}">
+                <a16:creationId xmlns:a16="http://schemas.microsoft.com/office/drawing/2014/main" id="{1EE3252A-B262-7D8B-9AF5-31BFDEB08ABD}"/>
+              </a:ext>
+            </a:extLst>
+          </p:cNvPr>
+          <p:cNvSpPr>
+            <a:spLocks noGrp="1"/>
+          </p:cNvSpPr>
+          <p:nvPr>
+            <p:ph idx="1"/>
+          </p:nvPr>
+        </p:nvSpPr>
+        <p:spPr>
+          <a:xfrm>
+            <a:off x="838200" y="2631687"/>
+            <a:ext cx="10515600" cy="3545275"/>
+          </a:xfrm>
+        </p:spPr>
+        <p:txBody>
+          <a:bodyPr/>
+          <a:lstStyle/>
+          <a:p>
+            <a:r>
+              <a:rPr lang="en-US" dirty="0">
+                <a:solidFill>
+                  <a:schemeClr val="accent2">
+                    <a:lumMod val="50000"/>
+                  </a:schemeClr>
+                </a:solidFill>
+              </a:rPr>
+              <a:t>Add charts/visuals</a:t>
+            </a:r>
+          </a:p>
+        </p:txBody>
+      </p:sp>
+      <p:pic>
+        <p:nvPicPr>
+          <p:cNvPr id="2050" name="Picture 2" descr="NPS.gov Homepage (U.S. National Park Service)">
+            <a:extLst>
+              <a:ext uri="{FF2B5EF4-FFF2-40B4-BE49-F238E27FC236}">
+                <a16:creationId xmlns:a16="http://schemas.microsoft.com/office/drawing/2014/main" id="{13BE499C-A16C-F419-BAF8-8AB721AE3EFF}"/>
+              </a:ext>
+            </a:extLst>
+          </p:cNvPr>
+          <p:cNvPicPr>
+            <a:picLocks noChangeAspect="1" noChangeArrowheads="1"/>
+          </p:cNvPicPr>
+          <p:nvPr/>
+        </p:nvPicPr>
+        <p:blipFill>
+          <a:blip r:embed="rId3">
+            <a:extLst>
+              <a:ext uri="{28A0092B-C50C-407E-A947-70E740481C1C}">
+                <a14:useLocalDpi xmlns:a14="http://schemas.microsoft.com/office/drawing/2010/main" val="0"/>
+              </a:ext>
+            </a:extLst>
+          </a:blip>
+          <a:srcRect/>
+          <a:stretch>
+            <a:fillRect/>
+          </a:stretch>
+        </p:blipFill>
+        <p:spPr bwMode="auto">
+          <a:xfrm>
+            <a:off x="381000" y="428625"/>
+            <a:ext cx="3474135" cy="1823921"/>
+          </a:xfrm>
+          <a:prstGeom prst="rect">
+            <a:avLst/>
+          </a:prstGeom>
+          <a:noFill/>
+          <a:extLst>
+            <a:ext uri="{909E8E84-426E-40DD-AFC4-6F175D3DCCD1}">
+              <a14:hiddenFill xmlns:a14="http://schemas.microsoft.com/office/drawing/2010/main">
+                <a:solidFill>
+                  <a:srgbClr val="FFFFFF"/>
+                </a:solidFill>
+              </a14:hiddenFill>
+            </a:ext>
+          </a:extLst>
+        </p:spPr>
+      </p:pic>
+    </p:spTree>
+    <p:extLst>
+      <p:ext uri="{BB962C8B-B14F-4D97-AF65-F5344CB8AC3E}">
+        <p14:creationId xmlns:p14="http://schemas.microsoft.com/office/powerpoint/2010/main" val="33086037"/>
+      </p:ext>
+    </p:extLst>
+  </p:cSld>
+  <p:clrMapOvr>
+    <a:masterClrMapping/>
+  </p:clrMapOvr>
+</p:sld>
+</file>
+
+<file path=ppt/slides/slide11.xml><?xml version="1.0" encoding="utf-8"?>
+<p:sld xmlns:a="http://schemas.openxmlformats.org/drawingml/2006/main" xmlns:r="http://schemas.openxmlformats.org/officeDocument/2006/relationships" xmlns:p="http://schemas.openxmlformats.org/presentationml/2006/main">
+  <p:cSld>
+    <p:spTree>
+      <p:nvGrpSpPr>
+        <p:cNvPr id="1" name=""/>
+        <p:cNvGrpSpPr/>
+        <p:nvPr/>
+      </p:nvGrpSpPr>
+      <p:grpSpPr>
+        <a:xfrm>
+          <a:off x="0" y="0"/>
+          <a:ext cx="0" cy="0"/>
+          <a:chOff x="0" y="0"/>
+          <a:chExt cx="0" cy="0"/>
+        </a:xfrm>
+      </p:grpSpPr>
+      <p:sp>
+        <p:nvSpPr>
+          <p:cNvPr id="2" name="Title 1">
+            <a:extLst>
+              <a:ext uri="{FF2B5EF4-FFF2-40B4-BE49-F238E27FC236}">
+                <a16:creationId xmlns:a16="http://schemas.microsoft.com/office/drawing/2014/main" id="{B12FF611-BA5F-8E68-F387-25D4EC76D263}"/>
+              </a:ext>
+            </a:extLst>
+          </p:cNvPr>
+          <p:cNvSpPr>
+            <a:spLocks noGrp="1"/>
+          </p:cNvSpPr>
+          <p:nvPr>
+            <p:ph type="title"/>
+          </p:nvPr>
+        </p:nvSpPr>
+        <p:spPr>
+          <a:xfrm>
+            <a:off x="4025590" y="677803"/>
+            <a:ext cx="7328210" cy="1325563"/>
+          </a:xfrm>
+        </p:spPr>
+        <p:txBody>
+          <a:bodyPr>
             <a:normAutofit/>
           </a:bodyPr>
           <a:lstStyle/>
@@ -4674,8 +4930,8 @@
         </p:nvSpPr>
         <p:spPr>
           <a:xfrm>
-            <a:off x="838200" y="2631687"/>
-            <a:ext cx="10515600" cy="3545275"/>
+            <a:off x="3855134" y="2631687"/>
+            <a:ext cx="7498665" cy="3545275"/>
           </a:xfrm>
         </p:spPr>
         <p:txBody>
@@ -4851,7 +5107,7 @@
         <p:spPr>
           <a:xfrm>
             <a:off x="4025590" y="677803"/>
-            <a:ext cx="7328210" cy="1325563"/>
+            <a:ext cx="7328210" cy="726425"/>
           </a:xfrm>
         </p:spPr>
         <p:txBody>
@@ -4866,56 +5122,8 @@
                   </a:schemeClr>
                 </a:solidFill>
               </a:rPr>
-              <a:t>Which National Parks are most visited?</a:t>
-            </a:r>
-          </a:p>
-        </p:txBody>
-      </p:sp>
-      <p:sp>
-        <p:nvSpPr>
-          <p:cNvPr id="3" name="Content Placeholder 2">
-            <a:extLst>
-              <a:ext uri="{FF2B5EF4-FFF2-40B4-BE49-F238E27FC236}">
-                <a16:creationId xmlns:a16="http://schemas.microsoft.com/office/drawing/2014/main" id="{1EE3252A-B262-7D8B-9AF5-31BFDEB08ABD}"/>
-              </a:ext>
-            </a:extLst>
-          </p:cNvPr>
-          <p:cNvSpPr>
-            <a:spLocks noGrp="1"/>
-          </p:cNvSpPr>
-          <p:nvPr>
-            <p:ph idx="1"/>
-          </p:nvPr>
-        </p:nvSpPr>
-        <p:spPr>
-          <a:xfrm>
-            <a:off x="838200" y="2631687"/>
-            <a:ext cx="10515600" cy="3545275"/>
-          </a:xfrm>
-        </p:spPr>
-        <p:txBody>
-          <a:bodyPr/>
-          <a:lstStyle/>
-          <a:p>
-            <a:r>
-              <a:rPr lang="en-US" dirty="0">
-                <a:solidFill>
-                  <a:schemeClr val="accent2">
-                    <a:lumMod val="50000"/>
-                  </a:schemeClr>
-                </a:solidFill>
-              </a:rPr>
-              <a:t>Analysis by state, top 10 map.  Add charts/visuals.</a:t>
-            </a:r>
-          </a:p>
-          <a:p>
-            <a:endParaRPr lang="en-US" dirty="0">
-              <a:solidFill>
-                <a:schemeClr val="accent2">
-                  <a:lumMod val="50000"/>
-                </a:schemeClr>
-              </a:solidFill>
-            </a:endParaRPr>
+              <a:t>Most visited National Parks?</a:t>
+            </a:r>
           </a:p>
         </p:txBody>
       </p:sp>
@@ -4964,6 +5172,42 @@
               </a14:hiddenFill>
             </a:ext>
           </a:extLst>
+        </p:spPr>
+      </p:pic>
+      <p:pic>
+        <p:nvPicPr>
+          <p:cNvPr id="5" name="Picture 4" descr="A map of the united states with blue dots&#10;&#10;Description automatically generated with medium confidence">
+            <a:extLst>
+              <a:ext uri="{FF2B5EF4-FFF2-40B4-BE49-F238E27FC236}">
+                <a16:creationId xmlns:a16="http://schemas.microsoft.com/office/drawing/2014/main" id="{A2AD9525-AFDC-3942-888D-7673FBEE1083}"/>
+              </a:ext>
+            </a:extLst>
+          </p:cNvPr>
+          <p:cNvPicPr>
+            <a:picLocks noChangeAspect="1"/>
+          </p:cNvPicPr>
+          <p:nvPr/>
+        </p:nvPicPr>
+        <p:blipFill>
+          <a:blip r:embed="rId3">
+            <a:extLst>
+              <a:ext uri="{28A0092B-C50C-407E-A947-70E740481C1C}">
+                <a14:useLocalDpi xmlns:a14="http://schemas.microsoft.com/office/drawing/2010/main" val="0"/>
+              </a:ext>
+            </a:extLst>
+          </a:blip>
+          <a:stretch>
+            <a:fillRect/>
+          </a:stretch>
+        </p:blipFill>
+        <p:spPr>
+          <a:xfrm>
+            <a:off x="4025589" y="1404228"/>
+            <a:ext cx="7328211" cy="5453772"/>
+          </a:xfrm>
+          <a:prstGeom prst="rect">
+            <a:avLst/>
+          </a:prstGeom>
         </p:spPr>
       </p:pic>
     </p:spTree>
@@ -5030,56 +5274,8 @@
                   </a:schemeClr>
                 </a:solidFill>
               </a:rPr>
-              <a:t>What is the breakdown by state?</a:t>
-            </a:r>
-          </a:p>
-        </p:txBody>
-      </p:sp>
-      <p:sp>
-        <p:nvSpPr>
-          <p:cNvPr id="3" name="Content Placeholder 2">
-            <a:extLst>
-              <a:ext uri="{FF2B5EF4-FFF2-40B4-BE49-F238E27FC236}">
-                <a16:creationId xmlns:a16="http://schemas.microsoft.com/office/drawing/2014/main" id="{1EE3252A-B262-7D8B-9AF5-31BFDEB08ABD}"/>
-              </a:ext>
-            </a:extLst>
-          </p:cNvPr>
-          <p:cNvSpPr>
-            <a:spLocks noGrp="1"/>
-          </p:cNvSpPr>
-          <p:nvPr>
-            <p:ph idx="1"/>
-          </p:nvPr>
-        </p:nvSpPr>
-        <p:spPr>
-          <a:xfrm>
-            <a:off x="838200" y="2631687"/>
-            <a:ext cx="10515600" cy="3545275"/>
-          </a:xfrm>
-        </p:spPr>
-        <p:txBody>
-          <a:bodyPr/>
-          <a:lstStyle/>
-          <a:p>
-            <a:r>
-              <a:rPr lang="en-US" dirty="0">
-                <a:solidFill>
-                  <a:schemeClr val="accent2">
-                    <a:lumMod val="50000"/>
-                  </a:schemeClr>
-                </a:solidFill>
-              </a:rPr>
-              <a:t>Analysis by state, top 10 map.  Add charts/visuals.</a:t>
-            </a:r>
-          </a:p>
-          <a:p>
-            <a:endParaRPr lang="en-US" dirty="0">
-              <a:solidFill>
-                <a:schemeClr val="accent2">
-                  <a:lumMod val="50000"/>
-                </a:schemeClr>
-              </a:solidFill>
-            </a:endParaRPr>
+              <a:t>Annual visitors per park and per state</a:t>
+            </a:r>
           </a:p>
         </p:txBody>
       </p:sp>
@@ -5128,6 +5324,78 @@
               </a14:hiddenFill>
             </a:ext>
           </a:extLst>
+        </p:spPr>
+      </p:pic>
+      <p:pic>
+        <p:nvPicPr>
+          <p:cNvPr id="5" name="Picture 4" descr="A picture containing text, diagram, line, plot&#10;&#10;Description automatically generated">
+            <a:extLst>
+              <a:ext uri="{FF2B5EF4-FFF2-40B4-BE49-F238E27FC236}">
+                <a16:creationId xmlns:a16="http://schemas.microsoft.com/office/drawing/2014/main" id="{32C2415F-FF70-6A18-502F-84150FC4BF8A}"/>
+              </a:ext>
+            </a:extLst>
+          </p:cNvPr>
+          <p:cNvPicPr>
+            <a:picLocks noChangeAspect="1"/>
+          </p:cNvPicPr>
+          <p:nvPr/>
+        </p:nvPicPr>
+        <p:blipFill>
+          <a:blip r:embed="rId3">
+            <a:extLst>
+              <a:ext uri="{28A0092B-C50C-407E-A947-70E740481C1C}">
+                <a14:useLocalDpi xmlns:a14="http://schemas.microsoft.com/office/drawing/2010/main" val="0"/>
+              </a:ext>
+            </a:extLst>
+          </a:blip>
+          <a:stretch>
+            <a:fillRect/>
+          </a:stretch>
+        </p:blipFill>
+        <p:spPr>
+          <a:xfrm>
+            <a:off x="83127" y="2282146"/>
+            <a:ext cx="5578933" cy="4263620"/>
+          </a:xfrm>
+          <a:prstGeom prst="rect">
+            <a:avLst/>
+          </a:prstGeom>
+        </p:spPr>
+      </p:pic>
+      <p:pic>
+        <p:nvPicPr>
+          <p:cNvPr id="7" name="Picture 6" descr="A picture containing text, screenshot, diagram, plot&#10;&#10;Description automatically generated">
+            <a:extLst>
+              <a:ext uri="{FF2B5EF4-FFF2-40B4-BE49-F238E27FC236}">
+                <a16:creationId xmlns:a16="http://schemas.microsoft.com/office/drawing/2014/main" id="{BA182506-FDCF-6AF2-1FF2-40FCB837303C}"/>
+              </a:ext>
+            </a:extLst>
+          </p:cNvPr>
+          <p:cNvPicPr>
+            <a:picLocks noChangeAspect="1"/>
+          </p:cNvPicPr>
+          <p:nvPr/>
+        </p:nvPicPr>
+        <p:blipFill>
+          <a:blip r:embed="rId4">
+            <a:extLst>
+              <a:ext uri="{28A0092B-C50C-407E-A947-70E740481C1C}">
+                <a14:useLocalDpi xmlns:a14="http://schemas.microsoft.com/office/drawing/2010/main" val="0"/>
+              </a:ext>
+            </a:extLst>
+          </a:blip>
+          <a:stretch>
+            <a:fillRect/>
+          </a:stretch>
+        </p:blipFill>
+        <p:spPr>
+          <a:xfrm>
+            <a:off x="5807903" y="2282146"/>
+            <a:ext cx="6300970" cy="4091539"/>
+          </a:xfrm>
+          <a:prstGeom prst="rect">
+            <a:avLst/>
+          </a:prstGeom>
         </p:spPr>
       </p:pic>
     </p:spTree>
@@ -5194,46 +5462,7 @@
                   </a:schemeClr>
                 </a:solidFill>
               </a:rPr>
-              <a:t>Do we choose to visit parks that have better weather?</a:t>
-            </a:r>
-          </a:p>
-        </p:txBody>
-      </p:sp>
-      <p:sp>
-        <p:nvSpPr>
-          <p:cNvPr id="3" name="Content Placeholder 2">
-            <a:extLst>
-              <a:ext uri="{FF2B5EF4-FFF2-40B4-BE49-F238E27FC236}">
-                <a16:creationId xmlns:a16="http://schemas.microsoft.com/office/drawing/2014/main" id="{1EE3252A-B262-7D8B-9AF5-31BFDEB08ABD}"/>
-              </a:ext>
-            </a:extLst>
-          </p:cNvPr>
-          <p:cNvSpPr>
-            <a:spLocks noGrp="1"/>
-          </p:cNvSpPr>
-          <p:nvPr>
-            <p:ph idx="1"/>
-          </p:nvPr>
-        </p:nvSpPr>
-        <p:spPr>
-          <a:xfrm>
-            <a:off x="838200" y="2631687"/>
-            <a:ext cx="10515600" cy="3545275"/>
-          </a:xfrm>
-        </p:spPr>
-        <p:txBody>
-          <a:bodyPr/>
-          <a:lstStyle/>
-          <a:p>
-            <a:r>
-              <a:rPr lang="en-US" dirty="0">
-                <a:solidFill>
-                  <a:schemeClr val="accent2">
-                    <a:lumMod val="50000"/>
-                  </a:schemeClr>
-                </a:solidFill>
-              </a:rPr>
-              <a:t>Add charts</a:t>
+              <a:t>Top 5 parks and top 5 states</a:t>
             </a:r>
           </a:p>
         </p:txBody>
@@ -5253,7 +5482,7 @@
           <p:nvPr/>
         </p:nvPicPr>
         <p:blipFill>
-          <a:blip r:embed="rId3">
+          <a:blip r:embed="rId2">
             <a:extLst>
               <a:ext uri="{28A0092B-C50C-407E-A947-70E740481C1C}">
                 <a14:useLocalDpi xmlns:a14="http://schemas.microsoft.com/office/drawing/2010/main" val="0"/>
@@ -5287,10 +5516,46 @@
       </p:pic>
       <p:pic>
         <p:nvPicPr>
-          <p:cNvPr id="7" name="Picture 6" descr="A picture containing text, screenshot, diagram, line&#10;&#10;Description automatically generated">
-            <a:extLst>
-              <a:ext uri="{FF2B5EF4-FFF2-40B4-BE49-F238E27FC236}">
-                <a16:creationId xmlns:a16="http://schemas.microsoft.com/office/drawing/2014/main" id="{E82E4807-BB39-839D-886E-8DA952FB900D}"/>
+          <p:cNvPr id="4" name="Picture 3" descr="A picture containing text, screenshot, diagram, font&#10;&#10;Description automatically generated">
+            <a:extLst>
+              <a:ext uri="{FF2B5EF4-FFF2-40B4-BE49-F238E27FC236}">
+                <a16:creationId xmlns:a16="http://schemas.microsoft.com/office/drawing/2014/main" id="{9A2C61BA-F268-FD4B-2468-720570BDB1E5}"/>
+              </a:ext>
+            </a:extLst>
+          </p:cNvPr>
+          <p:cNvPicPr>
+            <a:picLocks noChangeAspect="1"/>
+          </p:cNvPicPr>
+          <p:nvPr/>
+        </p:nvPicPr>
+        <p:blipFill>
+          <a:blip r:embed="rId3">
+            <a:extLst>
+              <a:ext uri="{28A0092B-C50C-407E-A947-70E740481C1C}">
+                <a14:useLocalDpi xmlns:a14="http://schemas.microsoft.com/office/drawing/2010/main" val="0"/>
+              </a:ext>
+            </a:extLst>
+          </a:blip>
+          <a:stretch>
+            <a:fillRect/>
+          </a:stretch>
+        </p:blipFill>
+        <p:spPr>
+          <a:xfrm>
+            <a:off x="224534" y="2453264"/>
+            <a:ext cx="5227779" cy="4352148"/>
+          </a:xfrm>
+          <a:prstGeom prst="rect">
+            <a:avLst/>
+          </a:prstGeom>
+        </p:spPr>
+      </p:pic>
+      <p:pic>
+        <p:nvPicPr>
+          <p:cNvPr id="8" name="Picture 7" descr="A picture containing text, diagram, screenshot, font&#10;&#10;Description automatically generated">
+            <a:extLst>
+              <a:ext uri="{FF2B5EF4-FFF2-40B4-BE49-F238E27FC236}">
+                <a16:creationId xmlns:a16="http://schemas.microsoft.com/office/drawing/2014/main" id="{B9669597-71A5-F9D5-AEBE-35A72CA51F3E}"/>
               </a:ext>
             </a:extLst>
           </p:cNvPr>
@@ -5313,132 +5578,18 @@
         </p:blipFill>
         <p:spPr>
           <a:xfrm>
-            <a:off x="95244" y="2252546"/>
-            <a:ext cx="5852172" cy="4389129"/>
+            <a:off x="7060814" y="2453264"/>
+            <a:ext cx="4480700" cy="4204320"/>
           </a:xfrm>
           <a:prstGeom prst="rect">
             <a:avLst/>
           </a:prstGeom>
         </p:spPr>
       </p:pic>
-      <p:pic>
-        <p:nvPicPr>
-          <p:cNvPr id="11" name="Picture 10" descr="A picture containing text, diagram, screenshot, technical drawing&#10;&#10;Description automatically generated">
-            <a:extLst>
-              <a:ext uri="{FF2B5EF4-FFF2-40B4-BE49-F238E27FC236}">
-                <a16:creationId xmlns:a16="http://schemas.microsoft.com/office/drawing/2014/main" id="{E9A07404-6043-5AB0-DB37-1C6AC21622BE}"/>
-              </a:ext>
-            </a:extLst>
-          </p:cNvPr>
-          <p:cNvPicPr>
-            <a:picLocks noChangeAspect="1"/>
-          </p:cNvPicPr>
-          <p:nvPr/>
-        </p:nvPicPr>
-        <p:blipFill>
-          <a:blip r:embed="rId5">
-            <a:extLst>
-              <a:ext uri="{28A0092B-C50C-407E-A947-70E740481C1C}">
-                <a14:useLocalDpi xmlns:a14="http://schemas.microsoft.com/office/drawing/2010/main" val="0"/>
-              </a:ext>
-            </a:extLst>
-          </a:blip>
-          <a:stretch>
-            <a:fillRect/>
-          </a:stretch>
-        </p:blipFill>
-        <p:spPr>
-          <a:xfrm>
-            <a:off x="6096000" y="2252546"/>
-            <a:ext cx="5593848" cy="4389129"/>
-          </a:xfrm>
-          <a:prstGeom prst="rect">
-            <a:avLst/>
-          </a:prstGeom>
-        </p:spPr>
-      </p:pic>
-      <p:sp>
-        <p:nvSpPr>
-          <p:cNvPr id="12" name="TextBox 11">
-            <a:extLst>
-              <a:ext uri="{FF2B5EF4-FFF2-40B4-BE49-F238E27FC236}">
-                <a16:creationId xmlns:a16="http://schemas.microsoft.com/office/drawing/2014/main" id="{15A37C42-952D-B488-4242-2F0C1993D3EB}"/>
-              </a:ext>
-            </a:extLst>
-          </p:cNvPr>
-          <p:cNvSpPr txBox="1"/>
-          <p:nvPr/>
-        </p:nvSpPr>
-        <p:spPr>
-          <a:xfrm>
-            <a:off x="4168143" y="5638562"/>
-            <a:ext cx="980800" cy="369332"/>
-          </a:xfrm>
-          <a:prstGeom prst="rect">
-            <a:avLst/>
-          </a:prstGeom>
-          <a:noFill/>
-        </p:spPr>
-        <p:txBody>
-          <a:bodyPr wrap="square" rtlCol="0">
-            <a:spAutoFit/>
-          </a:bodyPr>
-          <a:lstStyle/>
-          <a:p>
-            <a:r>
-              <a:rPr lang="en-US" dirty="0">
-                <a:solidFill>
-                  <a:srgbClr val="FF0000"/>
-                </a:solidFill>
-              </a:rPr>
-              <a:t>r = 0.17</a:t>
-            </a:r>
-          </a:p>
-        </p:txBody>
-      </p:sp>
-      <p:sp>
-        <p:nvSpPr>
-          <p:cNvPr id="13" name="TextBox 12">
-            <a:extLst>
-              <a:ext uri="{FF2B5EF4-FFF2-40B4-BE49-F238E27FC236}">
-                <a16:creationId xmlns:a16="http://schemas.microsoft.com/office/drawing/2014/main" id="{833B46C3-BF86-5FFC-EA27-6FB5F6A4B1A5}"/>
-              </a:ext>
-            </a:extLst>
-          </p:cNvPr>
-          <p:cNvSpPr txBox="1"/>
-          <p:nvPr/>
-        </p:nvSpPr>
-        <p:spPr>
-          <a:xfrm>
-            <a:off x="7020199" y="2525248"/>
-            <a:ext cx="2864030" cy="369332"/>
-          </a:xfrm>
-          <a:prstGeom prst="rect">
-            <a:avLst/>
-          </a:prstGeom>
-          <a:noFill/>
-        </p:spPr>
-        <p:txBody>
-          <a:bodyPr wrap="square" rtlCol="0">
-            <a:spAutoFit/>
-          </a:bodyPr>
-          <a:lstStyle/>
-          <a:p>
-            <a:r>
-              <a:rPr lang="en-US" dirty="0">
-                <a:solidFill>
-                  <a:srgbClr val="FF0000"/>
-                </a:solidFill>
-              </a:rPr>
-              <a:t>p = 0.011 (Kruskal-Wallis)</a:t>
-            </a:r>
-          </a:p>
-        </p:txBody>
-      </p:sp>
     </p:spTree>
     <p:extLst>
       <p:ext uri="{BB962C8B-B14F-4D97-AF65-F5344CB8AC3E}">
-        <p14:creationId xmlns:p14="http://schemas.microsoft.com/office/powerpoint/2010/main" val="2489766243"/>
+        <p14:creationId xmlns:p14="http://schemas.microsoft.com/office/powerpoint/2010/main" val="2284232612"/>
       </p:ext>
     </p:extLst>
   </p:cSld>
@@ -5488,23 +5639,57 @@
           </a:xfrm>
         </p:spPr>
         <p:txBody>
-          <a:bodyPr>
-            <a:normAutofit fontScale="90000"/>
-          </a:bodyPr>
-          <a:lstStyle/>
-          <a:p>
-            <a:pPr algn="l"/>
-            <a:r>
-              <a:rPr lang="en-US" b="0" i="0" dirty="0">
+          <a:bodyPr/>
+          <a:lstStyle/>
+          <a:p>
+            <a:r>
+              <a:rPr lang="en-US" dirty="0">
                 <a:solidFill>
                   <a:schemeClr val="accent2">
                     <a:lumMod val="50000"/>
                   </a:schemeClr>
                 </a:solidFill>
-                <a:effectLst/>
-                <a:latin typeface="Slack-Lato"/>
               </a:rPr>
-              <a:t>Do more people visit national parks with many international airports nearby?</a:t>
+              <a:t>Do we choose to visit parks that have better weather?</a:t>
+            </a:r>
+          </a:p>
+        </p:txBody>
+      </p:sp>
+      <p:sp>
+        <p:nvSpPr>
+          <p:cNvPr id="3" name="Content Placeholder 2">
+            <a:extLst>
+              <a:ext uri="{FF2B5EF4-FFF2-40B4-BE49-F238E27FC236}">
+                <a16:creationId xmlns:a16="http://schemas.microsoft.com/office/drawing/2014/main" id="{1EE3252A-B262-7D8B-9AF5-31BFDEB08ABD}"/>
+              </a:ext>
+            </a:extLst>
+          </p:cNvPr>
+          <p:cNvSpPr>
+            <a:spLocks noGrp="1"/>
+          </p:cNvSpPr>
+          <p:nvPr>
+            <p:ph idx="1"/>
+          </p:nvPr>
+        </p:nvSpPr>
+        <p:spPr>
+          <a:xfrm>
+            <a:off x="838200" y="2631687"/>
+            <a:ext cx="10515600" cy="3545275"/>
+          </a:xfrm>
+        </p:spPr>
+        <p:txBody>
+          <a:bodyPr/>
+          <a:lstStyle/>
+          <a:p>
+            <a:r>
+              <a:rPr lang="en-US" dirty="0">
+                <a:solidFill>
+                  <a:schemeClr val="accent2">
+                    <a:lumMod val="50000"/>
+                  </a:schemeClr>
+                </a:solidFill>
+              </a:rPr>
+              <a:t>Add charts</a:t>
             </a:r>
           </a:p>
         </p:txBody>
@@ -5524,7 +5709,7 @@
           <p:nvPr/>
         </p:nvPicPr>
         <p:blipFill>
-          <a:blip r:embed="rId2">
+          <a:blip r:embed="rId3">
             <a:extLst>
               <a:ext uri="{28A0092B-C50C-407E-A947-70E740481C1C}">
                 <a14:useLocalDpi xmlns:a14="http://schemas.microsoft.com/office/drawing/2010/main" val="0"/>
@@ -5558,55 +5743,158 @@
       </p:pic>
       <p:pic>
         <p:nvPicPr>
-          <p:cNvPr id="4098" name="Picture 2">
-            <a:extLst>
-              <a:ext uri="{FF2B5EF4-FFF2-40B4-BE49-F238E27FC236}">
-                <a16:creationId xmlns:a16="http://schemas.microsoft.com/office/drawing/2014/main" id="{6D2AC107-35DE-022B-FD09-AE6788619066}"/>
+          <p:cNvPr id="7" name="Picture 6" descr="A picture containing text, screenshot, diagram, line&#10;&#10;Description automatically generated">
+            <a:extLst>
+              <a:ext uri="{FF2B5EF4-FFF2-40B4-BE49-F238E27FC236}">
+                <a16:creationId xmlns:a16="http://schemas.microsoft.com/office/drawing/2014/main" id="{E82E4807-BB39-839D-886E-8DA952FB900D}"/>
               </a:ext>
             </a:extLst>
           </p:cNvPr>
           <p:cNvPicPr>
-            <a:picLocks noChangeAspect="1" noChangeArrowheads="1"/>
+            <a:picLocks noChangeAspect="1"/>
           </p:cNvPicPr>
           <p:nvPr/>
         </p:nvPicPr>
         <p:blipFill>
-          <a:blip r:embed="rId3">
+          <a:blip r:embed="rId4">
             <a:extLst>
               <a:ext uri="{28A0092B-C50C-407E-A947-70E740481C1C}">
                 <a14:useLocalDpi xmlns:a14="http://schemas.microsoft.com/office/drawing/2010/main" val="0"/>
               </a:ext>
             </a:extLst>
           </a:blip>
-          <a:srcRect/>
           <a:stretch>
             <a:fillRect/>
           </a:stretch>
         </p:blipFill>
-        <p:spPr bwMode="auto">
-          <a:xfrm>
-            <a:off x="4641695" y="2118324"/>
-            <a:ext cx="6096000" cy="4572000"/>
+        <p:spPr>
+          <a:xfrm>
+            <a:off x="95244" y="2252546"/>
+            <a:ext cx="5852172" cy="4389129"/>
+          </a:xfrm>
+          <a:prstGeom prst="rect">
+            <a:avLst/>
+          </a:prstGeom>
+        </p:spPr>
+      </p:pic>
+      <p:pic>
+        <p:nvPicPr>
+          <p:cNvPr id="11" name="Picture 10" descr="A picture containing text, diagram, screenshot, technical drawing&#10;&#10;Description automatically generated">
+            <a:extLst>
+              <a:ext uri="{FF2B5EF4-FFF2-40B4-BE49-F238E27FC236}">
+                <a16:creationId xmlns:a16="http://schemas.microsoft.com/office/drawing/2014/main" id="{E9A07404-6043-5AB0-DB37-1C6AC21622BE}"/>
+              </a:ext>
+            </a:extLst>
+          </p:cNvPr>
+          <p:cNvPicPr>
+            <a:picLocks noChangeAspect="1"/>
+          </p:cNvPicPr>
+          <p:nvPr/>
+        </p:nvPicPr>
+        <p:blipFill>
+          <a:blip r:embed="rId5">
+            <a:extLst>
+              <a:ext uri="{28A0092B-C50C-407E-A947-70E740481C1C}">
+                <a14:useLocalDpi xmlns:a14="http://schemas.microsoft.com/office/drawing/2010/main" val="0"/>
+              </a:ext>
+            </a:extLst>
+          </a:blip>
+          <a:stretch>
+            <a:fillRect/>
+          </a:stretch>
+        </p:blipFill>
+        <p:spPr>
+          <a:xfrm>
+            <a:off x="6096000" y="2252546"/>
+            <a:ext cx="5593848" cy="4389129"/>
+          </a:xfrm>
+          <a:prstGeom prst="rect">
+            <a:avLst/>
+          </a:prstGeom>
+        </p:spPr>
+      </p:pic>
+      <p:sp>
+        <p:nvSpPr>
+          <p:cNvPr id="12" name="TextBox 11">
+            <a:extLst>
+              <a:ext uri="{FF2B5EF4-FFF2-40B4-BE49-F238E27FC236}">
+                <a16:creationId xmlns:a16="http://schemas.microsoft.com/office/drawing/2014/main" id="{15A37C42-952D-B488-4242-2F0C1993D3EB}"/>
+              </a:ext>
+            </a:extLst>
+          </p:cNvPr>
+          <p:cNvSpPr txBox="1"/>
+          <p:nvPr/>
+        </p:nvSpPr>
+        <p:spPr>
+          <a:xfrm>
+            <a:off x="4168143" y="5638562"/>
+            <a:ext cx="980800" cy="369332"/>
           </a:xfrm>
           <a:prstGeom prst="rect">
             <a:avLst/>
           </a:prstGeom>
           <a:noFill/>
-          <a:extLst>
-            <a:ext uri="{909E8E84-426E-40DD-AFC4-6F175D3DCCD1}">
-              <a14:hiddenFill xmlns:a14="http://schemas.microsoft.com/office/drawing/2010/main">
+        </p:spPr>
+        <p:txBody>
+          <a:bodyPr wrap="square" rtlCol="0">
+            <a:spAutoFit/>
+          </a:bodyPr>
+          <a:lstStyle/>
+          <a:p>
+            <a:r>
+              <a:rPr lang="en-US" dirty="0">
                 <a:solidFill>
-                  <a:srgbClr val="FFFFFF"/>
+                  <a:srgbClr val="FF0000"/>
                 </a:solidFill>
-              </a14:hiddenFill>
-            </a:ext>
-          </a:extLst>
-        </p:spPr>
-      </p:pic>
+              </a:rPr>
+              <a:t>r = 0.17</a:t>
+            </a:r>
+          </a:p>
+        </p:txBody>
+      </p:sp>
+      <p:sp>
+        <p:nvSpPr>
+          <p:cNvPr id="13" name="TextBox 12">
+            <a:extLst>
+              <a:ext uri="{FF2B5EF4-FFF2-40B4-BE49-F238E27FC236}">
+                <a16:creationId xmlns:a16="http://schemas.microsoft.com/office/drawing/2014/main" id="{833B46C3-BF86-5FFC-EA27-6FB5F6A4B1A5}"/>
+              </a:ext>
+            </a:extLst>
+          </p:cNvPr>
+          <p:cNvSpPr txBox="1"/>
+          <p:nvPr/>
+        </p:nvSpPr>
+        <p:spPr>
+          <a:xfrm>
+            <a:off x="7020199" y="2525248"/>
+            <a:ext cx="2864030" cy="369332"/>
+          </a:xfrm>
+          <a:prstGeom prst="rect">
+            <a:avLst/>
+          </a:prstGeom>
+          <a:noFill/>
+        </p:spPr>
+        <p:txBody>
+          <a:bodyPr wrap="square" rtlCol="0">
+            <a:spAutoFit/>
+          </a:bodyPr>
+          <a:lstStyle/>
+          <a:p>
+            <a:r>
+              <a:rPr lang="en-US" dirty="0">
+                <a:solidFill>
+                  <a:srgbClr val="FF0000"/>
+                </a:solidFill>
+              </a:rPr>
+              <a:t>p = 0.011 (Kruskal-Wallis)</a:t>
+            </a:r>
+          </a:p>
+        </p:txBody>
+      </p:sp>
     </p:spTree>
     <p:extLst>
       <p:ext uri="{BB962C8B-B14F-4D97-AF65-F5344CB8AC3E}">
-        <p14:creationId xmlns:p14="http://schemas.microsoft.com/office/powerpoint/2010/main" val="1587900185"/>
+        <p14:creationId xmlns:p14="http://schemas.microsoft.com/office/powerpoint/2010/main" val="2489766243"/>
       </p:ext>
     </p:extLst>
   </p:cSld>
@@ -5657,7 +5945,7 @@
         </p:spPr>
         <p:txBody>
           <a:bodyPr>
-            <a:normAutofit/>
+            <a:normAutofit fontScale="90000"/>
           </a:bodyPr>
           <a:lstStyle/>
           <a:p>
@@ -5672,7 +5960,7 @@
                 <a:effectLst/>
                 <a:latin typeface="Slack-Lato"/>
               </a:rPr>
-              <a:t>Do more people visit older, more "historic" national parks?</a:t>
+              <a:t>Do more people visit national parks with many international airports nearby?</a:t>
             </a:r>
           </a:p>
         </p:txBody>
@@ -5726,10 +6014,10 @@
       </p:pic>
       <p:pic>
         <p:nvPicPr>
-          <p:cNvPr id="5122" name="Picture 2">
-            <a:extLst>
-              <a:ext uri="{FF2B5EF4-FFF2-40B4-BE49-F238E27FC236}">
-                <a16:creationId xmlns:a16="http://schemas.microsoft.com/office/drawing/2014/main" id="{249A27F7-7572-824F-B71A-DD46E6C3E14E}"/>
+          <p:cNvPr id="4098" name="Picture 2">
+            <a:extLst>
+              <a:ext uri="{FF2B5EF4-FFF2-40B4-BE49-F238E27FC236}">
+                <a16:creationId xmlns:a16="http://schemas.microsoft.com/office/drawing/2014/main" id="{6D2AC107-35DE-022B-FD09-AE6788619066}"/>
               </a:ext>
             </a:extLst>
           </p:cNvPr>
@@ -5753,7 +6041,7 @@
         </p:blipFill>
         <p:spPr bwMode="auto">
           <a:xfrm>
-            <a:off x="4641695" y="2003366"/>
+            <a:off x="4641695" y="2118324"/>
             <a:ext cx="6096000" cy="4572000"/>
           </a:xfrm>
           <a:prstGeom prst="rect">
@@ -5774,7 +6062,7 @@
     </p:spTree>
     <p:extLst>
       <p:ext uri="{BB962C8B-B14F-4D97-AF65-F5344CB8AC3E}">
-        <p14:creationId xmlns:p14="http://schemas.microsoft.com/office/powerpoint/2010/main" val="2982861046"/>
+        <p14:creationId xmlns:p14="http://schemas.microsoft.com/office/powerpoint/2010/main" val="1587900185"/>
       </p:ext>
     </p:extLst>
   </p:cSld>
@@ -5825,7 +6113,7 @@
         </p:spPr>
         <p:txBody>
           <a:bodyPr>
-            <a:normAutofit fontScale="90000"/>
+            <a:normAutofit/>
           </a:bodyPr>
           <a:lstStyle/>
           <a:p>
@@ -5840,46 +6128,7 @@
                 <a:effectLst/>
                 <a:latin typeface="Slack-Lato"/>
               </a:rPr>
-              <a:t>Does the number of activities offered by a national park affect the number of annual visitors?</a:t>
-            </a:r>
-          </a:p>
-        </p:txBody>
-      </p:sp>
-      <p:sp>
-        <p:nvSpPr>
-          <p:cNvPr id="3" name="Content Placeholder 2">
-            <a:extLst>
-              <a:ext uri="{FF2B5EF4-FFF2-40B4-BE49-F238E27FC236}">
-                <a16:creationId xmlns:a16="http://schemas.microsoft.com/office/drawing/2014/main" id="{1EE3252A-B262-7D8B-9AF5-31BFDEB08ABD}"/>
-              </a:ext>
-            </a:extLst>
-          </p:cNvPr>
-          <p:cNvSpPr>
-            <a:spLocks noGrp="1"/>
-          </p:cNvSpPr>
-          <p:nvPr>
-            <p:ph idx="1"/>
-          </p:nvPr>
-        </p:nvSpPr>
-        <p:spPr>
-          <a:xfrm>
-            <a:off x="838200" y="2631687"/>
-            <a:ext cx="10515600" cy="3545275"/>
-          </a:xfrm>
-        </p:spPr>
-        <p:txBody>
-          <a:bodyPr/>
-          <a:lstStyle/>
-          <a:p>
-            <a:r>
-              <a:rPr lang="en-US" dirty="0">
-                <a:solidFill>
-                  <a:schemeClr val="accent2">
-                    <a:lumMod val="50000"/>
-                  </a:schemeClr>
-                </a:solidFill>
-              </a:rPr>
-              <a:t>Add charts/visuals</a:t>
+              <a:t>Do more people visit older, more "historic" national parks?</a:t>
             </a:r>
           </a:p>
         </p:txBody>
@@ -5899,7 +6148,7 @@
           <p:nvPr/>
         </p:nvPicPr>
         <p:blipFill>
-          <a:blip r:embed="rId2">
+          <a:blip r:embed="rId3">
             <a:extLst>
               <a:ext uri="{28A0092B-C50C-407E-A947-70E740481C1C}">
                 <a14:useLocalDpi xmlns:a14="http://schemas.microsoft.com/office/drawing/2010/main" val="0"/>
@@ -5931,10 +6180,57 @@
           </a:extLst>
         </p:spPr>
       </p:pic>
+      <p:pic>
+        <p:nvPicPr>
+          <p:cNvPr id="5122" name="Picture 2">
+            <a:extLst>
+              <a:ext uri="{FF2B5EF4-FFF2-40B4-BE49-F238E27FC236}">
+                <a16:creationId xmlns:a16="http://schemas.microsoft.com/office/drawing/2014/main" id="{249A27F7-7572-824F-B71A-DD46E6C3E14E}"/>
+              </a:ext>
+            </a:extLst>
+          </p:cNvPr>
+          <p:cNvPicPr>
+            <a:picLocks noChangeAspect="1" noChangeArrowheads="1"/>
+          </p:cNvPicPr>
+          <p:nvPr/>
+        </p:nvPicPr>
+        <p:blipFill>
+          <a:blip r:embed="rId4">
+            <a:extLst>
+              <a:ext uri="{28A0092B-C50C-407E-A947-70E740481C1C}">
+                <a14:useLocalDpi xmlns:a14="http://schemas.microsoft.com/office/drawing/2010/main" val="0"/>
+              </a:ext>
+            </a:extLst>
+          </a:blip>
+          <a:srcRect/>
+          <a:stretch>
+            <a:fillRect/>
+          </a:stretch>
+        </p:blipFill>
+        <p:spPr bwMode="auto">
+          <a:xfrm>
+            <a:off x="4641695" y="2003366"/>
+            <a:ext cx="6096000" cy="4572000"/>
+          </a:xfrm>
+          <a:prstGeom prst="rect">
+            <a:avLst/>
+          </a:prstGeom>
+          <a:noFill/>
+          <a:extLst>
+            <a:ext uri="{909E8E84-426E-40DD-AFC4-6F175D3DCCD1}">
+              <a14:hiddenFill xmlns:a14="http://schemas.microsoft.com/office/drawing/2010/main">
+                <a:solidFill>
+                  <a:srgbClr val="FFFFFF"/>
+                </a:solidFill>
+              </a14:hiddenFill>
+            </a:ext>
+          </a:extLst>
+        </p:spPr>
+      </p:pic>
     </p:spTree>
     <p:extLst>
       <p:ext uri="{BB962C8B-B14F-4D97-AF65-F5344CB8AC3E}">
-        <p14:creationId xmlns:p14="http://schemas.microsoft.com/office/powerpoint/2010/main" val="3173916940"/>
+        <p14:creationId xmlns:p14="http://schemas.microsoft.com/office/powerpoint/2010/main" val="2982861046"/>
       </p:ext>
     </p:extLst>
   </p:cSld>
@@ -6000,7 +6296,7 @@
                 <a:effectLst/>
                 <a:latin typeface="Slack-Lato"/>
               </a:rPr>
-              <a:t>Does the total number of acres in a national park affect the number of overnight stays?</a:t>
+              <a:t>Does the number of activities offered by a national park affect the number of annual visitors?</a:t>
             </a:r>
           </a:p>
         </p:txBody>
@@ -6059,7 +6355,7 @@
           <p:nvPr/>
         </p:nvPicPr>
         <p:blipFill>
-          <a:blip r:embed="rId3">
+          <a:blip r:embed="rId2">
             <a:extLst>
               <a:ext uri="{28A0092B-C50C-407E-A947-70E740481C1C}">
                 <a14:useLocalDpi xmlns:a14="http://schemas.microsoft.com/office/drawing/2010/main" val="0"/>
@@ -6094,7 +6390,7 @@
     </p:spTree>
     <p:extLst>
       <p:ext uri="{BB962C8B-B14F-4D97-AF65-F5344CB8AC3E}">
-        <p14:creationId xmlns:p14="http://schemas.microsoft.com/office/powerpoint/2010/main" val="33086037"/>
+        <p14:creationId xmlns:p14="http://schemas.microsoft.com/office/powerpoint/2010/main" val="3173916940"/>
       </p:ext>
     </p:extLst>
   </p:cSld>

--- a/What_Makes_A_National_Park_Popular.pptx
+++ b/What_Makes_A_National_Park_Popular.pptx
@@ -5210,6 +5210,64 @@
           </a:prstGeom>
         </p:spPr>
       </p:pic>
+      <p:sp>
+        <p:nvSpPr>
+          <p:cNvPr id="3" name="Content Placeholder 2">
+            <a:extLst>
+              <a:ext uri="{FF2B5EF4-FFF2-40B4-BE49-F238E27FC236}">
+                <a16:creationId xmlns:a16="http://schemas.microsoft.com/office/drawing/2014/main" id="{F5C4C6EB-9801-05E5-91C0-1649ECE4DBD4}"/>
+              </a:ext>
+            </a:extLst>
+          </p:cNvPr>
+          <p:cNvSpPr>
+            <a:spLocks noGrp="1"/>
+          </p:cNvSpPr>
+          <p:nvPr>
+            <p:ph idx="1"/>
+          </p:nvPr>
+        </p:nvSpPr>
+        <p:spPr>
+          <a:xfrm>
+            <a:off x="381000" y="2832817"/>
+            <a:ext cx="3474135" cy="3545275"/>
+          </a:xfrm>
+        </p:spPr>
+        <p:txBody>
+          <a:bodyPr/>
+          <a:lstStyle/>
+          <a:p>
+            <a:r>
+              <a:rPr lang="en-US" dirty="0">
+                <a:solidFill>
+                  <a:schemeClr val="accent2">
+                    <a:lumMod val="50000"/>
+                  </a:schemeClr>
+                </a:solidFill>
+              </a:rPr>
+              <a:t>Great </a:t>
+            </a:r>
+            <a:r>
+              <a:rPr lang="en-US">
+                <a:solidFill>
+                  <a:schemeClr val="accent2">
+                    <a:lumMod val="50000"/>
+                  </a:schemeClr>
+                </a:solidFill>
+              </a:rPr>
+              <a:t>Smoky Mountains</a:t>
+            </a:r>
+          </a:p>
+          <a:p>
+            <a:endParaRPr lang="en-US" dirty="0">
+              <a:solidFill>
+                <a:schemeClr val="accent2">
+                  <a:lumMod val="50000"/>
+                </a:schemeClr>
+              </a:solidFill>
+            </a:endParaRPr>
+          </a:p>
+        </p:txBody>
+      </p:sp>
     </p:spTree>
     <p:extLst>
       <p:ext uri="{BB962C8B-B14F-4D97-AF65-F5344CB8AC3E}">
